--- a/Final presentation.pptx
+++ b/Final presentation.pptx
@@ -8,7 +8,7 @@
     <p:notesMasterId r:id="rId15"/>
   </p:notesMasterIdLst>
   <p:sldIdLst>
-    <p:sldId id="2561" r:id="rId2"/>
+    <p:sldId id="2581" r:id="rId2"/>
     <p:sldId id="2575" r:id="rId3"/>
     <p:sldId id="2576" r:id="rId4"/>
     <p:sldId id="2577" r:id="rId5"/>
@@ -124,7 +124,7 @@
       <p14:sectionLst xmlns:p14="http://schemas.microsoft.com/office/powerpoint/2010/main">
         <p14:section name="ParkSmart: Pametno rješenje za privatni parking u urbanim sredinama" id="{95963474-14E3-48AD-9A49-3F1DBFBA2EE9}">
           <p14:sldIdLst>
-            <p14:sldId id="2561"/>
+            <p14:sldId id="2581"/>
             <p14:sldId id="2575"/>
             <p14:sldId id="2576"/>
             <p14:sldId id="2577"/>
@@ -3570,7 +3570,7 @@
           <a:p>
             <a:fld id="{D7BA4610-F80F-4F40-A07E-783D7321767C}" type="datetimeFigureOut">
               <a:rPr lang="en-US" smtClean="0"/>
-              <a:t>03-Oct-25</a:t>
+              <a:t>06-Oct-25</a:t>
             </a:fld>
             <a:endParaRPr lang="en-US"/>
           </a:p>
@@ -4078,7 +4078,7 @@
     </p:spTree>
     <p:extLst>
       <p:ext uri="{BB962C8B-B14F-4D97-AF65-F5344CB8AC3E}">
-        <p14:creationId xmlns:p14="http://schemas.microsoft.com/office/powerpoint/2010/main" val="1351865696"/>
+        <p14:creationId xmlns:p14="http://schemas.microsoft.com/office/powerpoint/2010/main" val="4053127651"/>
       </p:ext>
     </p:extLst>
   </p:cSld>
@@ -4669,11 +4669,235 @@
           <a:lstStyle/>
           <a:p>
             <a:r>
-              <a:rPr lang="en-US"/>
+              <a:rPr lang="en-US" dirty="0"/>
               <a:t>
 ---
-Početni fokus je Novi Sad s ciljnim skupinama kao što su studenti, zaposleni i turisti. Planiramo širiti platformu na druge urbane sredine u regiji, prilagođavajući ponudu lokalnim potrebama i trendovima.
-Izvor slike: biblioteka sadržaja okruženja Microsoft 365
+</a:t>
+            </a:r>
+            <a:r>
+              <a:rPr lang="en-US" dirty="0" err="1"/>
+              <a:t>Početni</a:t>
+            </a:r>
+            <a:r>
+              <a:rPr lang="en-US" dirty="0"/>
+              <a:t> </a:t>
+            </a:r>
+            <a:r>
+              <a:rPr lang="en-US" dirty="0" err="1"/>
+              <a:t>fokus</a:t>
+            </a:r>
+            <a:r>
+              <a:rPr lang="en-US" dirty="0"/>
+              <a:t> je Novi Sad s </a:t>
+            </a:r>
+            <a:r>
+              <a:rPr lang="en-US" dirty="0" err="1"/>
+              <a:t>ciljnim</a:t>
+            </a:r>
+            <a:r>
+              <a:rPr lang="en-US" dirty="0"/>
+              <a:t> </a:t>
+            </a:r>
+            <a:r>
+              <a:rPr lang="en-US" dirty="0" err="1"/>
+              <a:t>skupinama</a:t>
+            </a:r>
+            <a:r>
+              <a:rPr lang="en-US" dirty="0"/>
+              <a:t> </a:t>
+            </a:r>
+            <a:r>
+              <a:rPr lang="en-US" dirty="0" err="1"/>
+              <a:t>kao</a:t>
+            </a:r>
+            <a:r>
+              <a:rPr lang="en-US" dirty="0"/>
+              <a:t> </a:t>
+            </a:r>
+            <a:r>
+              <a:rPr lang="en-US" dirty="0" err="1"/>
+              <a:t>što</a:t>
+            </a:r>
+            <a:r>
+              <a:rPr lang="en-US" dirty="0"/>
+              <a:t> </a:t>
+            </a:r>
+            <a:r>
+              <a:rPr lang="en-US" dirty="0" err="1"/>
+              <a:t>su</a:t>
+            </a:r>
+            <a:r>
+              <a:rPr lang="en-US" dirty="0"/>
+              <a:t> </a:t>
+            </a:r>
+            <a:r>
+              <a:rPr lang="en-US" dirty="0" err="1"/>
+              <a:t>studenti</a:t>
+            </a:r>
+            <a:r>
+              <a:rPr lang="en-US" dirty="0"/>
+              <a:t>, </a:t>
+            </a:r>
+            <a:r>
+              <a:rPr lang="en-US" dirty="0" err="1"/>
+              <a:t>zaposleni</a:t>
+            </a:r>
+            <a:r>
+              <a:rPr lang="en-US" dirty="0"/>
+              <a:t> </a:t>
+            </a:r>
+            <a:r>
+              <a:rPr lang="en-US" dirty="0" err="1"/>
+              <a:t>i</a:t>
+            </a:r>
+            <a:r>
+              <a:rPr lang="en-US" dirty="0"/>
+              <a:t> </a:t>
+            </a:r>
+            <a:r>
+              <a:rPr lang="en-US" dirty="0" err="1"/>
+              <a:t>turisti</a:t>
+            </a:r>
+            <a:r>
+              <a:rPr lang="en-US" dirty="0"/>
+              <a:t>. </a:t>
+            </a:r>
+            <a:r>
+              <a:rPr lang="en-US" dirty="0" err="1"/>
+              <a:t>Planiramo</a:t>
+            </a:r>
+            <a:r>
+              <a:rPr lang="en-US" dirty="0"/>
+              <a:t> </a:t>
+            </a:r>
+            <a:r>
+              <a:rPr lang="en-US" dirty="0" err="1"/>
+              <a:t>širiti</a:t>
+            </a:r>
+            <a:r>
+              <a:rPr lang="en-US" dirty="0"/>
+              <a:t> </a:t>
+            </a:r>
+            <a:r>
+              <a:rPr lang="en-US" dirty="0" err="1"/>
+              <a:t>platformu</a:t>
+            </a:r>
+            <a:r>
+              <a:rPr lang="en-US" dirty="0"/>
+              <a:t> </a:t>
+            </a:r>
+            <a:r>
+              <a:rPr lang="en-US" dirty="0" err="1"/>
+              <a:t>na</a:t>
+            </a:r>
+            <a:r>
+              <a:rPr lang="en-US" dirty="0"/>
+              <a:t> </a:t>
+            </a:r>
+            <a:r>
+              <a:rPr lang="en-US" dirty="0" err="1"/>
+              <a:t>druge</a:t>
+            </a:r>
+            <a:r>
+              <a:rPr lang="en-US" dirty="0"/>
+              <a:t> urbane </a:t>
+            </a:r>
+            <a:r>
+              <a:rPr lang="en-US" dirty="0" err="1"/>
+              <a:t>sredine</a:t>
+            </a:r>
+            <a:r>
+              <a:rPr lang="en-US" dirty="0"/>
+              <a:t> u </a:t>
+            </a:r>
+            <a:r>
+              <a:rPr lang="en-US" dirty="0" err="1"/>
+              <a:t>regiji</a:t>
+            </a:r>
+            <a:r>
+              <a:rPr lang="en-US" dirty="0"/>
+              <a:t>, </a:t>
+            </a:r>
+            <a:r>
+              <a:rPr lang="en-US" dirty="0" err="1"/>
+              <a:t>prilagođavajući</a:t>
+            </a:r>
+            <a:r>
+              <a:rPr lang="en-US" dirty="0"/>
+              <a:t> </a:t>
+            </a:r>
+            <a:r>
+              <a:rPr lang="en-US" dirty="0" err="1"/>
+              <a:t>ponudu</a:t>
+            </a:r>
+            <a:r>
+              <a:rPr lang="en-US" dirty="0"/>
+              <a:t> </a:t>
+            </a:r>
+            <a:r>
+              <a:rPr lang="en-US" dirty="0" err="1"/>
+              <a:t>lokalnim</a:t>
+            </a:r>
+            <a:r>
+              <a:rPr lang="en-US" dirty="0"/>
+              <a:t> </a:t>
+            </a:r>
+            <a:r>
+              <a:rPr lang="en-US" dirty="0" err="1"/>
+              <a:t>potrebama</a:t>
+            </a:r>
+            <a:r>
+              <a:rPr lang="en-US" dirty="0"/>
+              <a:t> </a:t>
+            </a:r>
+            <a:r>
+              <a:rPr lang="en-US" dirty="0" err="1"/>
+              <a:t>i</a:t>
+            </a:r>
+            <a:r>
+              <a:rPr lang="en-US" dirty="0"/>
+              <a:t> </a:t>
+            </a:r>
+            <a:r>
+              <a:rPr lang="en-US" dirty="0" err="1"/>
+              <a:t>trendovima</a:t>
+            </a:r>
+            <a:r>
+              <a:rPr lang="en-US" dirty="0"/>
+              <a:t>.
+Izvor </a:t>
+            </a:r>
+            <a:r>
+              <a:rPr lang="en-US" dirty="0" err="1"/>
+              <a:t>slike</a:t>
+            </a:r>
+            <a:r>
+              <a:rPr lang="en-US" dirty="0"/>
+              <a:t>: </a:t>
+            </a:r>
+            <a:r>
+              <a:rPr lang="en-US" dirty="0" err="1"/>
+              <a:t>biblioteka</a:t>
+            </a:r>
+            <a:r>
+              <a:rPr lang="en-US" dirty="0"/>
+              <a:t> </a:t>
+            </a:r>
+            <a:r>
+              <a:rPr lang="en-US" dirty="0" err="1"/>
+              <a:t>sadržaja</a:t>
+            </a:r>
+            <a:r>
+              <a:rPr lang="en-US" dirty="0"/>
+              <a:t> </a:t>
+            </a:r>
+            <a:r>
+              <a:rPr lang="en-US" dirty="0" err="1"/>
+              <a:t>okruženja</a:t>
+            </a:r>
+            <a:r>
+              <a:rPr lang="en-US" dirty="0"/>
+              <a:t> Microsoft 365
 </a:t>
             </a:r>
           </a:p>
@@ -5358,7 +5582,7 @@
             <a:fld id="{77EA5D59-5512-467D-834D-D04827A6AF83}" type="datetime1">
               <a:rPr lang="en-US" smtClean="0"/>
               <a:pPr/>
-              <a:t>03-Oct-25</a:t>
+              <a:t>06-Oct-25</a:t>
             </a:fld>
             <a:endParaRPr lang="en-US"/>
           </a:p>
@@ -6080,7 +6304,7 @@
             <a:fld id="{76FC08D9-20DE-421C-BE4E-310427BB699B}" type="datetime1">
               <a:rPr lang="en-US" smtClean="0"/>
               <a:pPr/>
-              <a:t>03-Oct-25</a:t>
+              <a:t>06-Oct-25</a:t>
             </a:fld>
             <a:endParaRPr lang="en-US" dirty="0"/>
           </a:p>
@@ -6624,7 +6848,7 @@
           <a:p>
             <a:fld id="{4F1AC263-88EE-42CC-B640-B12BA856CF71}" type="datetime1">
               <a:rPr lang="en-US" smtClean="0"/>
-              <a:t>03-Oct-25</a:t>
+              <a:t>06-Oct-25</a:t>
             </a:fld>
             <a:endParaRPr lang="en-US"/>
           </a:p>
@@ -6982,7 +7206,7 @@
           <a:p>
             <a:fld id="{68A32F6A-E7E2-4607-B207-B787B539B854}" type="datetime1">
               <a:rPr lang="en-US" smtClean="0"/>
-              <a:t>03-Oct-25</a:t>
+              <a:t>06-Oct-25</a:t>
             </a:fld>
             <a:endParaRPr lang="en-US"/>
           </a:p>
@@ -7229,7 +7453,7 @@
           <a:p>
             <a:fld id="{9467FC12-63BB-4A63-9424-BFBF8E1D71D9}" type="datetime1">
               <a:rPr lang="en-US" smtClean="0"/>
-              <a:t>03-Oct-25</a:t>
+              <a:t>06-Oct-25</a:t>
             </a:fld>
             <a:endParaRPr lang="en-US"/>
           </a:p>
@@ -7714,7 +7938,7 @@
           <a:p>
             <a:fld id="{8BAA7FA5-AD20-4A92-9D35-3CC6CFA49E64}" type="datetime1">
               <a:rPr lang="en-US" smtClean="0"/>
-              <a:t>03-Oct-25</a:t>
+              <a:t>06-Oct-25</a:t>
             </a:fld>
             <a:endParaRPr lang="en-US"/>
           </a:p>
@@ -8445,7 +8669,7 @@
           <a:p>
             <a:fld id="{802AB700-8552-46A0-B700-5DA0068ADBFC}" type="datetime1">
               <a:rPr lang="en-US" smtClean="0"/>
-              <a:t>03-Oct-25</a:t>
+              <a:t>06-Oct-25</a:t>
             </a:fld>
             <a:endParaRPr lang="en-US"/>
           </a:p>
@@ -8932,7 +9156,7 @@
           <a:p>
             <a:fld id="{A892AD61-D199-4B74-B80B-2001400510FA}" type="datetime1">
               <a:rPr lang="en-US" smtClean="0"/>
-              <a:t>03-Oct-25</a:t>
+              <a:t>06-Oct-25</a:t>
             </a:fld>
             <a:endParaRPr lang="en-US"/>
           </a:p>
@@ -9421,7 +9645,7 @@
           <a:p>
             <a:fld id="{D00D9374-B0AF-43C5-90A8-C409C7D54B55}" type="datetime1">
               <a:rPr lang="en-US" smtClean="0"/>
-              <a:t>03-Oct-25</a:t>
+              <a:t>06-Oct-25</a:t>
             </a:fld>
             <a:endParaRPr lang="en-US"/>
           </a:p>
@@ -9857,7 +10081,7 @@
             <a:fld id="{9CBB6888-43ED-4D3A-B8DA-89EF29644561}" type="datetime1">
               <a:rPr lang="en-US" smtClean="0"/>
               <a:pPr/>
-              <a:t>03-Oct-25</a:t>
+              <a:t>06-Oct-25</a:t>
             </a:fld>
             <a:endParaRPr lang="en-US" dirty="0"/>
           </a:p>
@@ -10160,7 +10384,7 @@
           <a:p>
             <a:fld id="{27C7479B-2077-4468-85E0-F9294B46DEAE}" type="datetime1">
               <a:rPr lang="en-US" smtClean="0"/>
-              <a:t>03-Oct-25</a:t>
+              <a:t>06-Oct-25</a:t>
             </a:fld>
             <a:endParaRPr lang="en-US" dirty="0"/>
           </a:p>
@@ -10511,7 +10735,7 @@
           <a:p>
             <a:fld id="{B42362D5-E350-46C5-8BB1-F9E806A91933}" type="datetime1">
               <a:rPr lang="en-US" smtClean="0"/>
-              <a:t>03-Oct-25</a:t>
+              <a:t>06-Oct-25</a:t>
             </a:fld>
             <a:endParaRPr lang="en-US"/>
           </a:p>
@@ -10805,7 +11029,7 @@
           <a:p>
             <a:fld id="{28E9021D-675F-4984-8FE0-04DA4F4E22F1}" type="datetime1">
               <a:rPr lang="en-US" smtClean="0"/>
-              <a:t>03-Oct-25</a:t>
+              <a:t>06-Oct-25</a:t>
             </a:fld>
             <a:endParaRPr lang="en-US" dirty="0"/>
           </a:p>
@@ -11058,7 +11282,7 @@
           <a:p>
             <a:fld id="{A7F72289-EB8A-47CA-A283-A769C9E761BF}" type="datetime1">
               <a:rPr lang="en-US" smtClean="0"/>
-              <a:t>03-Oct-25</a:t>
+              <a:t>06-Oct-25</a:t>
             </a:fld>
             <a:endParaRPr lang="en-US" dirty="0"/>
           </a:p>
@@ -11407,7 +11631,7 @@
           <a:p>
             <a:fld id="{74049900-C118-46F7-B9EF-5F7C1F0005B2}" type="datetime1">
               <a:rPr lang="en-US" smtClean="0"/>
-              <a:t>03-Oct-25</a:t>
+              <a:t>06-Oct-25</a:t>
             </a:fld>
             <a:endParaRPr lang="en-US"/>
           </a:p>
@@ -11672,7 +11896,7 @@
           <a:p>
             <a:fld id="{74049900-C118-46F7-B9EF-5F7C1F0005B2}" type="datetime1">
               <a:rPr lang="en-US" smtClean="0"/>
-              <a:t>03-Oct-25</a:t>
+              <a:t>06-Oct-25</a:t>
             </a:fld>
             <a:endParaRPr lang="en-US"/>
           </a:p>
@@ -12013,7 +12237,7 @@
           <a:p>
             <a:fld id="{0B4A3A31-ACEE-4A00-9ED7-D579651BDB0B}" type="datetime1">
               <a:rPr lang="en-US" smtClean="0"/>
-              <a:t>03-Oct-25</a:t>
+              <a:t>06-Oct-25</a:t>
             </a:fld>
             <a:endParaRPr lang="en-US" dirty="0"/>
           </a:p>
@@ -12270,7 +12494,7 @@
           <a:p>
             <a:fld id="{0B4A3A31-ACEE-4A00-9ED7-D579651BDB0B}" type="datetime1">
               <a:rPr lang="en-US" smtClean="0"/>
-              <a:t>03-Oct-25</a:t>
+              <a:t>06-Oct-25</a:t>
             </a:fld>
             <a:endParaRPr lang="en-US" dirty="0"/>
           </a:p>
@@ -12625,7 +12849,7 @@
           <a:p>
             <a:fld id="{FAD7B7F7-7F90-4F0B-A996-5443656EFF4A}" type="datetime1">
               <a:rPr lang="en-US" smtClean="0"/>
-              <a:t>03-Oct-25</a:t>
+              <a:t>06-Oct-25</a:t>
             </a:fld>
             <a:endParaRPr lang="en-US" dirty="0"/>
           </a:p>
@@ -12893,7 +13117,7 @@
           <a:p>
             <a:fld id="{FAD7B7F7-7F90-4F0B-A996-5443656EFF4A}" type="datetime1">
               <a:rPr lang="en-US" smtClean="0"/>
-              <a:t>03-Oct-25</a:t>
+              <a:t>06-Oct-25</a:t>
             </a:fld>
             <a:endParaRPr lang="en-US" dirty="0"/>
           </a:p>
@@ -13220,7 +13444,7 @@
           <a:p>
             <a:fld id="{2086C921-50A5-4289-8B96-30101E64A548}" type="datetime1">
               <a:rPr lang="en-US" smtClean="0"/>
-              <a:t>03-Oct-25</a:t>
+              <a:t>06-Oct-25</a:t>
             </a:fld>
             <a:endParaRPr lang="en-US"/>
           </a:p>
@@ -13523,7 +13747,7 @@
           <a:p>
             <a:fld id="{1B948B66-4D7B-4FF2-9F42-B85226272225}" type="datetime1">
               <a:rPr lang="en-US" smtClean="0"/>
-              <a:t>03-Oct-25</a:t>
+              <a:t>06-Oct-25</a:t>
             </a:fld>
             <a:endParaRPr lang="en-US"/>
           </a:p>
@@ -13973,7 +14197,7 @@
           <a:p>
             <a:fld id="{6D1D18D0-7308-42C5-B784-8892F327ABD3}" type="datetime1">
               <a:rPr lang="en-US" smtClean="0"/>
-              <a:t>03-Oct-25</a:t>
+              <a:t>06-Oct-25</a:t>
             </a:fld>
             <a:endParaRPr lang="en-US"/>
           </a:p>
@@ -14360,7 +14584,7 @@
           <a:p>
             <a:fld id="{5888334B-5C34-4E7E-A4B0-3A19575F6DD8}" type="datetime1">
               <a:rPr lang="en-US" smtClean="0"/>
-              <a:t>03-Oct-25</a:t>
+              <a:t>06-Oct-25</a:t>
             </a:fld>
             <a:endParaRPr lang="en-US" dirty="0"/>
           </a:p>
@@ -14694,7 +14918,7 @@
           <a:p>
             <a:fld id="{6C46EC71-0129-40A3-85CE-244216EACC39}" type="datetime1">
               <a:rPr lang="en-US" smtClean="0"/>
-              <a:t>03-Oct-25</a:t>
+              <a:t>06-Oct-25</a:t>
             </a:fld>
             <a:endParaRPr lang="en-US" dirty="0"/>
           </a:p>
@@ -15027,7 +15251,7 @@
           <a:p>
             <a:fld id="{5888334B-5C34-4E7E-A4B0-3A19575F6DD8}" type="datetime1">
               <a:rPr lang="en-US" smtClean="0"/>
-              <a:t>03-Oct-25</a:t>
+              <a:t>06-Oct-25</a:t>
             </a:fld>
             <a:endParaRPr lang="en-US"/>
           </a:p>
@@ -15312,7 +15536,7 @@
           <a:p>
             <a:fld id="{3CC8FB4D-92F2-4C28-8BFC-2AE0229C3E9A}" type="datetime1">
               <a:rPr lang="en-US" smtClean="0"/>
-              <a:t>03-Oct-25</a:t>
+              <a:t>06-Oct-25</a:t>
             </a:fld>
             <a:endParaRPr lang="en-US"/>
           </a:p>
@@ -15591,7 +15815,7 @@
           <a:p>
             <a:fld id="{7B708C30-1428-4C16-AD49-DE42CFEA37BF}" type="datetime1">
               <a:rPr lang="en-US" smtClean="0"/>
-              <a:t>03-Oct-25</a:t>
+              <a:t>06-Oct-25</a:t>
             </a:fld>
             <a:endParaRPr lang="en-US"/>
           </a:p>
@@ -16076,7 +16300,7 @@
             <a:fld id="{DCE8854E-90F8-4761-A9B8-18B1C5A3D25C}" type="datetime1">
               <a:rPr lang="en-US" smtClean="0"/>
               <a:pPr/>
-              <a:t>03-Oct-25</a:t>
+              <a:t>06-Oct-25</a:t>
             </a:fld>
             <a:endParaRPr lang="en-US"/>
           </a:p>
@@ -16564,7 +16788,7 @@
           <a:p>
             <a:fld id="{53DF09C0-6535-4055-81CC-988E059C8EEC}" type="datetime1">
               <a:rPr lang="en-US" smtClean="0"/>
-              <a:t>03-Oct-25</a:t>
+              <a:t>06-Oct-25</a:t>
             </a:fld>
             <a:endParaRPr lang="en-US"/>
           </a:p>
@@ -16794,7 +17018,7 @@
           <a:p>
             <a:fld id="{B85187EE-7BBC-405E-B3F5-9C3E88970356}" type="datetime1">
               <a:rPr lang="en-US" smtClean="0"/>
-              <a:t>03-Oct-25</a:t>
+              <a:t>06-Oct-25</a:t>
             </a:fld>
             <a:endParaRPr lang="en-US"/>
           </a:p>
@@ -17574,7 +17798,7 @@
           <a:p>
             <a:fld id="{967A35BA-41D5-4E87-94C2-E365E2A3656B}" type="datetime1">
               <a:rPr lang="en-US" smtClean="0"/>
-              <a:t>03-Oct-25</a:t>
+              <a:t>06-Oct-25</a:t>
             </a:fld>
             <a:endParaRPr lang="en-US"/>
           </a:p>
@@ -17860,7 +18084,7 @@
             <a:fld id="{BFE899EF-3666-4EAB-A626-E7AA02E66CC1}" type="datetime1">
               <a:rPr lang="en-US" smtClean="0"/>
               <a:pPr/>
-              <a:t>03-Oct-25</a:t>
+              <a:t>06-Oct-25</a:t>
             </a:fld>
             <a:endParaRPr lang="en-US" dirty="0"/>
           </a:p>
@@ -18463,7 +18687,7 @@
           <a:p>
             <a:fld id="{DA4345C7-9F39-4767-92C9-EBF29396D0A9}" type="datetime1">
               <a:rPr lang="en-US" smtClean="0"/>
-              <a:t>03-Oct-25</a:t>
+              <a:t>06-Oct-25</a:t>
             </a:fld>
             <a:endParaRPr lang="en-US"/>
           </a:p>
@@ -18662,7 +18886,7 @@
             <a:fld id="{4A6891D2-C712-4357-A4F9-7362E459A272}" type="datetime1">
               <a:rPr lang="en-US" smtClean="0"/>
               <a:pPr/>
-              <a:t>03-Oct-25</a:t>
+              <a:t>06-Oct-25</a:t>
             </a:fld>
             <a:endParaRPr lang="en-US"/>
           </a:p>
@@ -19412,7 +19636,7 @@
             <a:fld id="{234566FD-24FB-4338-A35C-D9AE347B4F66}" type="datetime1">
               <a:rPr lang="en-US" smtClean="0"/>
               <a:pPr/>
-              <a:t>03-Oct-25</a:t>
+              <a:t>06-Oct-25</a:t>
             </a:fld>
             <a:endParaRPr lang="en-US"/>
           </a:p>
@@ -19916,7 +20140,7 @@
             <a:fld id="{D02BF1DD-1BF4-406D-9906-B4846BCC8D55}" type="datetime1">
               <a:rPr lang="en-US" smtClean="0"/>
               <a:pPr/>
-              <a:t>03-Oct-25</a:t>
+              <a:t>06-Oct-25</a:t>
             </a:fld>
             <a:endParaRPr lang="en-US"/>
           </a:p>
@@ -20289,7 +20513,7 @@
           <a:p>
             <a:fld id="{CD0A52C9-A7D6-4EB8-8F3D-1519181DDC1D}" type="datetime1">
               <a:rPr lang="en-US" smtClean="0"/>
-              <a:t>03-Oct-25</a:t>
+              <a:t>06-Oct-25</a:t>
             </a:fld>
             <a:endParaRPr lang="en-US"/>
           </a:p>
@@ -20758,7 +20982,7 @@
           <a:p>
             <a:fld id="{2E9CE581-A048-42A8-B14C-488A3338D2F0}" type="datetime1">
               <a:rPr lang="en-US" smtClean="0"/>
-              <a:t>03-Oct-25</a:t>
+              <a:t>06-Oct-25</a:t>
             </a:fld>
             <a:endParaRPr lang="en-US"/>
           </a:p>
@@ -20915,7 +21139,7 @@
           <a:p>
             <a:fld id="{F37B15FB-E45F-4977-9C40-BB6531CE6EA6}" type="datetime1">
               <a:rPr lang="en-US" smtClean="0"/>
-              <a:t>03-Oct-25</a:t>
+              <a:t>06-Oct-25</a:t>
             </a:fld>
             <a:endParaRPr lang="en-US"/>
           </a:p>
@@ -21037,7 +21261,7 @@
           <a:p>
             <a:fld id="{18922BC5-E711-4A36-A80E-0A418F83672D}" type="datetime1">
               <a:rPr lang="en-US" smtClean="0"/>
-              <a:t>03-Oct-25</a:t>
+              <a:t>06-Oct-25</a:t>
             </a:fld>
             <a:endParaRPr lang="en-US"/>
           </a:p>
@@ -21351,7 +21575,7 @@
           <a:p>
             <a:fld id="{81D94988-488B-40CC-9623-27A54F95F7B4}" type="datetime1">
               <a:rPr lang="en-US" smtClean="0"/>
-              <a:t>03-Oct-25</a:t>
+              <a:t>06-Oct-25</a:t>
             </a:fld>
             <a:endParaRPr lang="en-US"/>
           </a:p>
@@ -21665,7 +21889,7 @@
           <a:p>
             <a:fld id="{FA3C7011-18F0-49E4-85C9-3E22BE44E3EB}" type="datetime1">
               <a:rPr lang="en-US" smtClean="0"/>
-              <a:t>03-Oct-25</a:t>
+              <a:t>06-Oct-25</a:t>
             </a:fld>
             <a:endParaRPr lang="en-US"/>
           </a:p>
@@ -21950,7 +22174,7 @@
             <a:fld id="{1F92EF8E-B9EB-49F8-83E1-F362FA442011}" type="datetime1">
               <a:rPr lang="en-US" smtClean="0"/>
               <a:pPr/>
-              <a:t>03-Oct-25</a:t>
+              <a:t>06-Oct-25</a:t>
             </a:fld>
             <a:endParaRPr lang="en-US" dirty="0"/>
           </a:p>
@@ -22313,7 +22537,7 @@
           <a:p>
             <a:fld id="{8B1E6060-C53E-4F28-8D83-0C4FB26C4A3F}" type="datetime1">
               <a:rPr lang="en-US" smtClean="0"/>
-              <a:t>03-Oct-25</a:t>
+              <a:t>06-Oct-25</a:t>
             </a:fld>
             <a:endParaRPr lang="en-US"/>
           </a:p>
@@ -22815,7 +23039,7 @@
           <a:p>
             <a:fld id="{1D3D1E3E-5DD4-4BAD-A138-1254BF94C224}" type="datetime1">
               <a:rPr lang="en-US" smtClean="0"/>
-              <a:t>03-Oct-25</a:t>
+              <a:t>06-Oct-25</a:t>
             </a:fld>
             <a:endParaRPr lang="en-US"/>
           </a:p>
@@ -23102,7 +23326,7 @@
             <a:fld id="{BC9EEDB3-BC19-4021-830F-B822E1DE9789}" type="datetime1">
               <a:rPr lang="en-US" smtClean="0"/>
               <a:pPr/>
-              <a:t>03-Oct-25</a:t>
+              <a:t>06-Oct-25</a:t>
             </a:fld>
             <a:endParaRPr lang="en-US" dirty="0"/>
           </a:p>
@@ -23631,7 +23855,7 @@
           <a:p>
             <a:fld id="{014DD65C-314F-4399-90A8-B6DFCAF21BE4}" type="datetime1">
               <a:rPr lang="en-US" smtClean="0"/>
-              <a:t>03-Oct-25</a:t>
+              <a:t>06-Oct-25</a:t>
             </a:fld>
             <a:endParaRPr lang="en-US"/>
           </a:p>
@@ -24129,7 +24353,7 @@
             <a:fld id="{D07A3B59-4DAC-4AFE-874D-3A86EC3801A0}" type="datetime1">
               <a:rPr lang="en-US" smtClean="0"/>
               <a:pPr/>
-              <a:t>03-Oct-25</a:t>
+              <a:t>06-Oct-25</a:t>
             </a:fld>
             <a:endParaRPr lang="en-US"/>
           </a:p>
@@ -24626,7 +24850,7 @@
           <a:p>
             <a:fld id="{76FC08D9-20DE-421C-BE4E-310427BB699B}" type="datetime1">
               <a:rPr lang="en-US" smtClean="0"/>
-              <a:t>03-Oct-25</a:t>
+              <a:t>06-Oct-25</a:t>
             </a:fld>
             <a:endParaRPr lang="en-US" dirty="0"/>
           </a:p>
@@ -24918,7 +25142,7 @@
             <a:fld id="{7DF4F7BB-A1DF-4BD2-8D5B-CA9EB40127CE}" type="datetime1">
               <a:rPr lang="en-US" smtClean="0"/>
               <a:pPr/>
-              <a:t>03-Oct-25</a:t>
+              <a:t>06-Oct-25</a:t>
             </a:fld>
             <a:endParaRPr lang="en-US" dirty="0"/>
           </a:p>
@@ -25390,45 +25614,13 @@
           <a:lstStyle/>
           <a:p>
             <a:r>
-              <a:rPr lang="en-US" dirty="0" err="1"/>
-              <a:t>Inovativna</a:t>
-            </a:r>
-            <a:r>
-              <a:rPr lang="en-US" dirty="0"/>
-              <a:t> </a:t>
-            </a:r>
-            <a:r>
-              <a:rPr lang="en-US" dirty="0" err="1"/>
-              <a:t>platforma</a:t>
-            </a:r>
-            <a:r>
-              <a:rPr lang="en-US" dirty="0"/>
-              <a:t> za </a:t>
-            </a:r>
-            <a:r>
-              <a:rPr lang="en-US" dirty="0" err="1"/>
-              <a:t>upravljanje</a:t>
-            </a:r>
-            <a:r>
-              <a:rPr lang="en-US" dirty="0"/>
-              <a:t> </a:t>
-            </a:r>
-            <a:r>
-              <a:rPr lang="en-US" dirty="0" err="1"/>
-              <a:t>parkiranjem</a:t>
-            </a:r>
-            <a:r>
-              <a:rPr lang="en-US" dirty="0"/>
-              <a:t> u </a:t>
-            </a:r>
-            <a:r>
-              <a:rPr lang="en-US" dirty="0" err="1"/>
-              <a:t>gradovima</a:t>
-            </a:r>
-            <a:endParaRPr lang="en-US" dirty="0"/>
-          </a:p>
-          <a:p>
-            <a:endParaRPr lang="en-US" dirty="0"/>
+              <a:rPr lang="pl-PL" dirty="0"/>
+              <a:t>Pametno rješenje za privatni parking u urbanim sredinam</a:t>
+            </a:r>
+            <a:r>
+              <a:rPr lang="en-US" dirty="0"/>
+              <a:t>a</a:t>
+            </a:r>
           </a:p>
         </p:txBody>
       </p:sp>
@@ -25626,7 +25818,22 @@
           <a:p>
             <a:r>
               <a:rPr lang="en-US" dirty="0"/>
-              <a:t>Pilot grad: Novi Sad | Radoslav Mastilović – Tim </a:t>
+              <a:t>Pilot </a:t>
+            </a:r>
+            <a:r>
+              <a:rPr lang="en-US" dirty="0" err="1"/>
+              <a:t>projekat</a:t>
+            </a:r>
+            <a:r>
+              <a:rPr lang="en-US" dirty="0"/>
+              <a:t>: Beograd</a:t>
+            </a:r>
+            <a:br>
+              <a:rPr lang="en-US" dirty="0"/>
+            </a:br>
+            <a:r>
+              <a:rPr lang="en-US" dirty="0"/>
+              <a:t>Autor: Radoslav Mastilović – Tim </a:t>
             </a:r>
             <a:r>
               <a:rPr lang="en-US" dirty="0" err="1"/>
@@ -25634,9 +25841,6 @@
             </a:r>
             <a:endParaRPr lang="en-US" dirty="0"/>
           </a:p>
-          <a:p>
-            <a:endParaRPr lang="en-US" dirty="0"/>
-          </a:p>
         </p:txBody>
       </p:sp>
       <p:sp>
@@ -25653,8 +25857,8 @@
         </p:nvSpPr>
         <p:spPr>
           <a:xfrm>
-            <a:off x="612644" y="1349829"/>
-            <a:ext cx="10958870" cy="2554545"/>
+            <a:off x="616565" y="2253344"/>
+            <a:ext cx="10958870" cy="1323439"/>
           </a:xfrm>
           <a:prstGeom prst="rect">
             <a:avLst/>
@@ -25670,11 +25874,8 @@
             <a:pPr algn="ctr"/>
             <a:r>
               <a:rPr lang="en-US" sz="4000" b="1" dirty="0"/>
-              <a:t>PARKSMART: PAMETNO RJEŠENJE ZA PRIVATNI PARKING U URBANIM SREDINAMA</a:t>
-            </a:r>
-            <a:endParaRPr lang="en-US" sz="4000" dirty="0"/>
-          </a:p>
-          <a:p>
+              <a:t>PARKSMART</a:t>
+            </a:r>
             <a:endParaRPr lang="en-US" sz="4000" dirty="0"/>
           </a:p>
           <a:p>
@@ -25685,7 +25886,7 @@
     </p:spTree>
     <p:extLst>
       <p:ext uri="{BB962C8B-B14F-4D97-AF65-F5344CB8AC3E}">
-        <p14:creationId xmlns:p14="http://schemas.microsoft.com/office/powerpoint/2010/main" val="2612568184"/>
+        <p14:creationId xmlns:p14="http://schemas.microsoft.com/office/powerpoint/2010/main" val="4181417621"/>
       </p:ext>
     </p:extLst>
   </p:cSld>
@@ -25966,22 +26167,22 @@
           <a:lstStyle/>
           <a:p>
             <a:r>
-              <a:rPr lang="en-US"/>
+              <a:rPr lang="en-US" dirty="0"/>
               <a:t>Plan </a:t>
             </a:r>
             <a:r>
-              <a:rPr lang="en-US" err="1"/>
+              <a:rPr lang="en-US" dirty="0" err="1"/>
               <a:t>razvoja</a:t>
             </a:r>
             <a:r>
-              <a:rPr lang="en-US"/>
+              <a:rPr lang="en-US" dirty="0"/>
               <a:t> </a:t>
             </a:r>
             <a:r>
-              <a:rPr lang="en-US" err="1"/>
+              <a:rPr lang="en-US" dirty="0" err="1"/>
               <a:t>proizvoda</a:t>
             </a:r>
-            <a:endParaRPr lang="en-US"/>
+            <a:endParaRPr lang="en-US" dirty="0"/>
           </a:p>
         </p:txBody>
       </p:sp>
@@ -26485,13 +26686,10 @@
               <a:t> u </a:t>
             </a:r>
             <a:r>
-              <a:rPr lang="en-US" sz="1200" dirty="0" err="1"/>
-              <a:t>Novom</a:t>
-            </a:r>
-            <a:r>
-              <a:rPr lang="en-US" sz="1200" dirty="0"/>
-              <a:t> Sadu.</a:t>
-            </a:r>
+              <a:rPr lang="en-US" sz="1200"/>
+              <a:t>Beogradu.</a:t>
+            </a:r>
+            <a:endParaRPr lang="en-US" sz="1200" dirty="0"/>
           </a:p>
           <a:p>
             <a:pPr marL="0" lvl="1" indent="0">
@@ -27083,11 +27281,11 @@
           <a:lstStyle/>
           <a:p>
             <a:r>
-              <a:rPr lang="en-US" err="1"/>
+              <a:rPr lang="en-US" dirty="0" err="1"/>
               <a:t>Vizija</a:t>
             </a:r>
             <a:r>
-              <a:rPr lang="en-US"/>
+              <a:rPr lang="en-US" dirty="0"/>
               <a:t>:</a:t>
             </a:r>
           </a:p>
@@ -28919,7 +29117,7 @@
             </a:r>
             <a:r>
               <a:rPr lang="en-US" b="1" dirty="0"/>
-              <a:t> Novi Sad</a:t>
+              <a:t> Beograd</a:t>
             </a:r>
           </a:p>
           <a:p>
@@ -29482,7 +29680,7 @@
             </a:r>
             <a:r>
               <a:rPr lang="en-US" dirty="0"/>
-              <a:t> (10-15%), </a:t>
+              <a:t> (5-10%), </a:t>
             </a:r>
             <a:r>
               <a:rPr lang="en-US" dirty="0" err="1"/>
@@ -29610,6 +29808,10 @@
             <a:r>
               <a:rPr lang="en-US" dirty="0" err="1"/>
               <a:t>unaprijed</a:t>
+            </a:r>
+            <a:r>
+              <a:rPr lang="sr-Latn-RS" dirty="0"/>
+              <a:t> (7+ dana)</a:t>
             </a:r>
             <a:r>
               <a:rPr lang="en-US" dirty="0"/>
@@ -29907,18 +30109,18 @@
           <a:lstStyle/>
           <a:p>
             <a:r>
-              <a:rPr lang="en-US" sz="5000" err="1"/>
+              <a:rPr lang="en-US" sz="5000" dirty="0" err="1"/>
               <a:t>Marketi</a:t>
             </a:r>
             <a:r>
-              <a:rPr lang="sr-Latn-RS" sz="5000" err="1"/>
+              <a:rPr lang="sr-Latn-RS" sz="5000" dirty="0" err="1"/>
               <a:t>nška</a:t>
             </a:r>
             <a:r>
-              <a:rPr lang="sr-Latn-RS" sz="5000"/>
+              <a:rPr lang="sr-Latn-RS" sz="5000" dirty="0"/>
               <a:t> strategija</a:t>
             </a:r>
-            <a:endParaRPr lang="en-US" sz="5000"/>
+            <a:endParaRPr lang="en-US" sz="5000" dirty="0"/>
           </a:p>
         </p:txBody>
       </p:sp>
@@ -29971,9 +30173,18 @@
               <a:buNone/>
             </a:pPr>
             <a:r>
-              <a:rPr lang="en-US" b="1"/>
-              <a:t>Digitalne kampanje</a:t>
-            </a:r>
+              <a:rPr lang="en-US" b="1" dirty="0" err="1"/>
+              <a:t>Digitalne</a:t>
+            </a:r>
+            <a:r>
+              <a:rPr lang="en-US" b="1" dirty="0"/>
+              <a:t> </a:t>
+            </a:r>
+            <a:r>
+              <a:rPr lang="en-US" b="1" dirty="0" err="1"/>
+              <a:t>kampanje</a:t>
+            </a:r>
+            <a:endParaRPr lang="en-US" b="1" dirty="0"/>
           </a:p>
           <a:p>
             <a:pPr marL="0" lvl="1" indent="0">
@@ -29983,8 +30194,60 @@
               <a:buNone/>
             </a:pPr>
             <a:r>
-              <a:rPr lang="en-US"/>
-              <a:t>Oglašavanje na društvenim mrežama (Instagram, Facebook, TikTok) i Google Ads za povećanje online vidljivosti.</a:t>
+              <a:rPr lang="en-US" dirty="0" err="1"/>
+              <a:t>Oglašavanje</a:t>
+            </a:r>
+            <a:r>
+              <a:rPr lang="en-US" dirty="0"/>
+              <a:t> </a:t>
+            </a:r>
+            <a:r>
+              <a:rPr lang="en-US" dirty="0" err="1"/>
+              <a:t>na</a:t>
+            </a:r>
+            <a:r>
+              <a:rPr lang="en-US" dirty="0"/>
+              <a:t> </a:t>
+            </a:r>
+            <a:r>
+              <a:rPr lang="en-US" dirty="0" err="1"/>
+              <a:t>društvenim</a:t>
+            </a:r>
+            <a:r>
+              <a:rPr lang="en-US" dirty="0"/>
+              <a:t> </a:t>
+            </a:r>
+            <a:r>
+              <a:rPr lang="en-US" dirty="0" err="1"/>
+              <a:t>mrežama</a:t>
+            </a:r>
+            <a:r>
+              <a:rPr lang="en-US" dirty="0"/>
+              <a:t> (Instagram, Facebook, TikTok) </a:t>
+            </a:r>
+            <a:r>
+              <a:rPr lang="en-US" dirty="0" err="1"/>
+              <a:t>i</a:t>
+            </a:r>
+            <a:r>
+              <a:rPr lang="en-US" dirty="0"/>
+              <a:t> Google Ads za </a:t>
+            </a:r>
+            <a:r>
+              <a:rPr lang="en-US" dirty="0" err="1"/>
+              <a:t>povećanje</a:t>
+            </a:r>
+            <a:r>
+              <a:rPr lang="en-US" dirty="0"/>
+              <a:t> online </a:t>
+            </a:r>
+            <a:r>
+              <a:rPr lang="en-US" dirty="0" err="1"/>
+              <a:t>vidljivosti</a:t>
+            </a:r>
+            <a:r>
+              <a:rPr lang="en-US" dirty="0"/>
+              <a:t>.</a:t>
             </a:r>
           </a:p>
           <a:p>
@@ -29994,7 +30257,7 @@
               </a:lnSpc>
               <a:buNone/>
             </a:pPr>
-            <a:endParaRPr lang="en-US"/>
+            <a:endParaRPr lang="en-US" dirty="0"/>
           </a:p>
           <a:p>
             <a:pPr marL="0" lvl="1" indent="0">
@@ -30004,9 +30267,18 @@
               <a:buNone/>
             </a:pPr>
             <a:r>
-              <a:rPr lang="en-US"/>
-              <a:t>Lokalna promocija</a:t>
-            </a:r>
+              <a:rPr lang="en-US" b="1" dirty="0" err="1"/>
+              <a:t>Lokalna</a:t>
+            </a:r>
+            <a:r>
+              <a:rPr lang="en-US" b="1" dirty="0"/>
+              <a:t> </a:t>
+            </a:r>
+            <a:r>
+              <a:rPr lang="en-US" b="1" dirty="0" err="1"/>
+              <a:t>promocija</a:t>
+            </a:r>
+            <a:endParaRPr lang="en-US" b="1" dirty="0"/>
           </a:p>
           <a:p>
             <a:pPr marL="0" lvl="1" indent="0">
@@ -30016,8 +30288,76 @@
               <a:buNone/>
             </a:pPr>
             <a:r>
-              <a:rPr lang="en-US"/>
-              <a:t>Plakati i baneri u blizini univerziteta, poslovnih zona i stambenih naselja.</a:t>
+              <a:rPr lang="en-US" dirty="0" err="1"/>
+              <a:t>Plakati</a:t>
+            </a:r>
+            <a:r>
+              <a:rPr lang="en-US" dirty="0"/>
+              <a:t> </a:t>
+            </a:r>
+            <a:r>
+              <a:rPr lang="en-US" dirty="0" err="1"/>
+              <a:t>i</a:t>
+            </a:r>
+            <a:r>
+              <a:rPr lang="en-US" dirty="0"/>
+              <a:t> </a:t>
+            </a:r>
+            <a:r>
+              <a:rPr lang="en-US" dirty="0" err="1"/>
+              <a:t>baneri</a:t>
+            </a:r>
+            <a:r>
+              <a:rPr lang="en-US" dirty="0"/>
+              <a:t> u </a:t>
+            </a:r>
+            <a:r>
+              <a:rPr lang="en-US" dirty="0" err="1"/>
+              <a:t>blizini</a:t>
+            </a:r>
+            <a:r>
+              <a:rPr lang="en-US" dirty="0"/>
+              <a:t> </a:t>
+            </a:r>
+            <a:r>
+              <a:rPr lang="en-US" dirty="0" err="1"/>
+              <a:t>univerziteta</a:t>
+            </a:r>
+            <a:r>
+              <a:rPr lang="en-US" dirty="0"/>
+              <a:t>, </a:t>
+            </a:r>
+            <a:r>
+              <a:rPr lang="en-US" dirty="0" err="1"/>
+              <a:t>poslovnih</a:t>
+            </a:r>
+            <a:r>
+              <a:rPr lang="en-US" dirty="0"/>
+              <a:t> zona </a:t>
+            </a:r>
+            <a:r>
+              <a:rPr lang="en-US" dirty="0" err="1"/>
+              <a:t>i</a:t>
+            </a:r>
+            <a:r>
+              <a:rPr lang="en-US" dirty="0"/>
+              <a:t> </a:t>
+            </a:r>
+            <a:r>
+              <a:rPr lang="en-US" dirty="0" err="1"/>
+              <a:t>stambenih</a:t>
+            </a:r>
+            <a:r>
+              <a:rPr lang="en-US" dirty="0"/>
+              <a:t> </a:t>
+            </a:r>
+            <a:r>
+              <a:rPr lang="en-US" dirty="0" err="1"/>
+              <a:t>naselja</a:t>
+            </a:r>
+            <a:r>
+              <a:rPr lang="en-US" dirty="0"/>
+              <a:t>.</a:t>
             </a:r>
           </a:p>
           <a:p>
@@ -30027,7 +30367,7 @@
               </a:lnSpc>
               <a:buNone/>
             </a:pPr>
-            <a:endParaRPr lang="en-US"/>
+            <a:endParaRPr lang="en-US" dirty="0"/>
           </a:p>
           <a:p>
             <a:pPr marL="0" lvl="1" indent="0">
@@ -30037,8 +30377,12 @@
               <a:buNone/>
             </a:pPr>
             <a:r>
-              <a:rPr lang="en-US"/>
-              <a:t>Partnerstva </a:t>
+              <a:rPr lang="en-US" b="1" dirty="0" err="1"/>
+              <a:t>Partnerstva</a:t>
+            </a:r>
+            <a:r>
+              <a:rPr lang="en-US" b="1" dirty="0"/>
+              <a:t> </a:t>
             </a:r>
           </a:p>
           <a:p>
@@ -30049,8 +30393,84 @@
               <a:buNone/>
             </a:pPr>
             <a:r>
-              <a:rPr lang="en-US"/>
-              <a:t>Saradnja sa univerzitetima, kompanijama, vlasnicima objekata, lokalnim samoupravama i influenserima.</a:t>
+              <a:rPr lang="en-US" dirty="0" err="1"/>
+              <a:t>Saradnja</a:t>
+            </a:r>
+            <a:r>
+              <a:rPr lang="en-US" dirty="0"/>
+              <a:t> </a:t>
+            </a:r>
+            <a:r>
+              <a:rPr lang="en-US" dirty="0" err="1"/>
+              <a:t>sa</a:t>
+            </a:r>
+            <a:r>
+              <a:rPr lang="en-US" dirty="0"/>
+              <a:t> </a:t>
+            </a:r>
+            <a:r>
+              <a:rPr lang="en-US" dirty="0" err="1"/>
+              <a:t>univerzitetima</a:t>
+            </a:r>
+            <a:r>
+              <a:rPr lang="en-US" dirty="0"/>
+              <a:t>, </a:t>
+            </a:r>
+            <a:r>
+              <a:rPr lang="en-US" dirty="0" err="1"/>
+              <a:t>kompanijama</a:t>
+            </a:r>
+            <a:r>
+              <a:rPr lang="en-US" dirty="0"/>
+              <a:t>, </a:t>
+            </a:r>
+            <a:r>
+              <a:rPr lang="en-US" dirty="0" err="1"/>
+              <a:t>vlasnicima</a:t>
+            </a:r>
+            <a:r>
+              <a:rPr lang="en-US" dirty="0"/>
+              <a:t> </a:t>
+            </a:r>
+            <a:r>
+              <a:rPr lang="en-US" dirty="0" err="1"/>
+              <a:t>objekata</a:t>
+            </a:r>
+            <a:r>
+              <a:rPr lang="en-US" dirty="0"/>
+              <a:t>, </a:t>
+            </a:r>
+            <a:r>
+              <a:rPr lang="en-US" dirty="0" err="1"/>
+              <a:t>lokalnim</a:t>
+            </a:r>
+            <a:r>
+              <a:rPr lang="en-US" dirty="0"/>
+              <a:t> </a:t>
+            </a:r>
+            <a:r>
+              <a:rPr lang="en-US" dirty="0" err="1"/>
+              <a:t>samoupravama</a:t>
+            </a:r>
+            <a:r>
+              <a:rPr lang="en-US" dirty="0"/>
+              <a:t> </a:t>
+            </a:r>
+            <a:r>
+              <a:rPr lang="en-US" dirty="0" err="1"/>
+              <a:t>i</a:t>
+            </a:r>
+            <a:r>
+              <a:rPr lang="en-US" dirty="0"/>
+              <a:t> </a:t>
+            </a:r>
+            <a:r>
+              <a:rPr lang="en-US" dirty="0" err="1"/>
+              <a:t>influenserima</a:t>
+            </a:r>
+            <a:r>
+              <a:rPr lang="en-US" dirty="0"/>
+              <a:t>.</a:t>
             </a:r>
           </a:p>
           <a:p>
@@ -30060,7 +30480,7 @@
               </a:lnSpc>
               <a:buNone/>
             </a:pPr>
-            <a:endParaRPr lang="en-US"/>
+            <a:endParaRPr lang="en-US" dirty="0"/>
           </a:p>
           <a:p>
             <a:pPr marL="0" lvl="1" indent="0">
@@ -30071,7 +30491,7 @@
               <a:buNone/>
             </a:pPr>
             <a:r>
-              <a:rPr lang="en-US"/>
+              <a:rPr lang="en-US" b="1" dirty="0"/>
               <a:t>Referral program </a:t>
             </a:r>
           </a:p>
@@ -30083,8 +30503,60 @@
               <a:buNone/>
             </a:pPr>
             <a:r>
-              <a:rPr lang="en-US"/>
-              <a:t>Korisnici dobijaju popust kada dovedu nove korisnike.</a:t>
+              <a:rPr lang="en-US" dirty="0" err="1"/>
+              <a:t>Korisnici</a:t>
+            </a:r>
+            <a:r>
+              <a:rPr lang="en-US" dirty="0"/>
+              <a:t> </a:t>
+            </a:r>
+            <a:r>
+              <a:rPr lang="en-US" dirty="0" err="1"/>
+              <a:t>dobijaju</a:t>
+            </a:r>
+            <a:r>
+              <a:rPr lang="en-US" dirty="0"/>
+              <a:t> </a:t>
+            </a:r>
+            <a:r>
+              <a:rPr lang="en-US" dirty="0" err="1"/>
+              <a:t>popust</a:t>
+            </a:r>
+            <a:r>
+              <a:rPr lang="en-US" dirty="0"/>
+              <a:t> </a:t>
+            </a:r>
+            <a:r>
+              <a:rPr lang="en-US" dirty="0" err="1"/>
+              <a:t>kada</a:t>
+            </a:r>
+            <a:r>
+              <a:rPr lang="en-US" dirty="0"/>
+              <a:t> </a:t>
+            </a:r>
+            <a:r>
+              <a:rPr lang="en-US" dirty="0" err="1"/>
+              <a:t>dovedu</a:t>
+            </a:r>
+            <a:r>
+              <a:rPr lang="en-US" dirty="0"/>
+              <a:t> </a:t>
+            </a:r>
+            <a:r>
+              <a:rPr lang="en-US" dirty="0" err="1"/>
+              <a:t>nove</a:t>
+            </a:r>
+            <a:r>
+              <a:rPr lang="en-US" dirty="0"/>
+              <a:t> </a:t>
+            </a:r>
+            <a:r>
+              <a:rPr lang="en-US" dirty="0" err="1"/>
+              <a:t>korisnike</a:t>
+            </a:r>
+            <a:r>
+              <a:rPr lang="en-US" dirty="0"/>
+              <a:t>.</a:t>
             </a:r>
           </a:p>
         </p:txBody>
@@ -30639,8 +31111,16 @@
           <a:lstStyle/>
           <a:p>
             <a:r>
-              <a:rPr lang="en-US"/>
-              <a:t>Analiza rizika    </a:t>
+              <a:rPr lang="en-US" dirty="0"/>
+              <a:t>Analiza </a:t>
+            </a:r>
+            <a:r>
+              <a:rPr lang="en-US" dirty="0" err="1"/>
+              <a:t>rizika</a:t>
+            </a:r>
+            <a:r>
+              <a:rPr lang="en-US" dirty="0"/>
+              <a:t>    </a:t>
             </a:r>
           </a:p>
         </p:txBody>
@@ -31273,7 +31753,11 @@
             </a:pPr>
             <a:r>
               <a:rPr lang="en-US" b="1" dirty="0"/>
-              <a:t>Backend developer</a:t>
+              <a:t>Backend </a:t>
+            </a:r>
+            <a:r>
+              <a:rPr lang="en-US" b="1" dirty="0" err="1"/>
+              <a:t>tim</a:t>
             </a:r>
             <a:r>
               <a:rPr lang="en-US" dirty="0"/>
@@ -31328,7 +31812,11 @@
             </a:pPr>
             <a:r>
               <a:rPr lang="en-US" b="1" dirty="0"/>
-              <a:t>Frontend / Mobile developer</a:t>
+              <a:t>Frontend </a:t>
+            </a:r>
+            <a:r>
+              <a:rPr lang="en-US" b="1" dirty="0" err="1"/>
+              <a:t>tim</a:t>
             </a:r>
             <a:r>
               <a:rPr lang="en-US" dirty="0"/>

--- a/Final presentation.pptx
+++ b/Final presentation.pptx
@@ -3570,7 +3570,7 @@
           <a:p>
             <a:fld id="{D7BA4610-F80F-4F40-A07E-783D7321767C}" type="datetimeFigureOut">
               <a:rPr lang="en-US" smtClean="0"/>
-              <a:t>06-Oct-25</a:t>
+              <a:t>07-Oct-25</a:t>
             </a:fld>
             <a:endParaRPr lang="en-US"/>
           </a:p>
@@ -5582,7 +5582,7 @@
             <a:fld id="{77EA5D59-5512-467D-834D-D04827A6AF83}" type="datetime1">
               <a:rPr lang="en-US" smtClean="0"/>
               <a:pPr/>
-              <a:t>06-Oct-25</a:t>
+              <a:t>07-Oct-25</a:t>
             </a:fld>
             <a:endParaRPr lang="en-US"/>
           </a:p>
@@ -6304,7 +6304,7 @@
             <a:fld id="{76FC08D9-20DE-421C-BE4E-310427BB699B}" type="datetime1">
               <a:rPr lang="en-US" smtClean="0"/>
               <a:pPr/>
-              <a:t>06-Oct-25</a:t>
+              <a:t>07-Oct-25</a:t>
             </a:fld>
             <a:endParaRPr lang="en-US" dirty="0"/>
           </a:p>
@@ -6848,7 +6848,7 @@
           <a:p>
             <a:fld id="{4F1AC263-88EE-42CC-B640-B12BA856CF71}" type="datetime1">
               <a:rPr lang="en-US" smtClean="0"/>
-              <a:t>06-Oct-25</a:t>
+              <a:t>07-Oct-25</a:t>
             </a:fld>
             <a:endParaRPr lang="en-US"/>
           </a:p>
@@ -7206,7 +7206,7 @@
           <a:p>
             <a:fld id="{68A32F6A-E7E2-4607-B207-B787B539B854}" type="datetime1">
               <a:rPr lang="en-US" smtClean="0"/>
-              <a:t>06-Oct-25</a:t>
+              <a:t>07-Oct-25</a:t>
             </a:fld>
             <a:endParaRPr lang="en-US"/>
           </a:p>
@@ -7453,7 +7453,7 @@
           <a:p>
             <a:fld id="{9467FC12-63BB-4A63-9424-BFBF8E1D71D9}" type="datetime1">
               <a:rPr lang="en-US" smtClean="0"/>
-              <a:t>06-Oct-25</a:t>
+              <a:t>07-Oct-25</a:t>
             </a:fld>
             <a:endParaRPr lang="en-US"/>
           </a:p>
@@ -7938,7 +7938,7 @@
           <a:p>
             <a:fld id="{8BAA7FA5-AD20-4A92-9D35-3CC6CFA49E64}" type="datetime1">
               <a:rPr lang="en-US" smtClean="0"/>
-              <a:t>06-Oct-25</a:t>
+              <a:t>07-Oct-25</a:t>
             </a:fld>
             <a:endParaRPr lang="en-US"/>
           </a:p>
@@ -8669,7 +8669,7 @@
           <a:p>
             <a:fld id="{802AB700-8552-46A0-B700-5DA0068ADBFC}" type="datetime1">
               <a:rPr lang="en-US" smtClean="0"/>
-              <a:t>06-Oct-25</a:t>
+              <a:t>07-Oct-25</a:t>
             </a:fld>
             <a:endParaRPr lang="en-US"/>
           </a:p>
@@ -9156,7 +9156,7 @@
           <a:p>
             <a:fld id="{A892AD61-D199-4B74-B80B-2001400510FA}" type="datetime1">
               <a:rPr lang="en-US" smtClean="0"/>
-              <a:t>06-Oct-25</a:t>
+              <a:t>07-Oct-25</a:t>
             </a:fld>
             <a:endParaRPr lang="en-US"/>
           </a:p>
@@ -9645,7 +9645,7 @@
           <a:p>
             <a:fld id="{D00D9374-B0AF-43C5-90A8-C409C7D54B55}" type="datetime1">
               <a:rPr lang="en-US" smtClean="0"/>
-              <a:t>06-Oct-25</a:t>
+              <a:t>07-Oct-25</a:t>
             </a:fld>
             <a:endParaRPr lang="en-US"/>
           </a:p>
@@ -10081,7 +10081,7 @@
             <a:fld id="{9CBB6888-43ED-4D3A-B8DA-89EF29644561}" type="datetime1">
               <a:rPr lang="en-US" smtClean="0"/>
               <a:pPr/>
-              <a:t>06-Oct-25</a:t>
+              <a:t>07-Oct-25</a:t>
             </a:fld>
             <a:endParaRPr lang="en-US" dirty="0"/>
           </a:p>
@@ -10384,7 +10384,7 @@
           <a:p>
             <a:fld id="{27C7479B-2077-4468-85E0-F9294B46DEAE}" type="datetime1">
               <a:rPr lang="en-US" smtClean="0"/>
-              <a:t>06-Oct-25</a:t>
+              <a:t>07-Oct-25</a:t>
             </a:fld>
             <a:endParaRPr lang="en-US" dirty="0"/>
           </a:p>
@@ -10735,7 +10735,7 @@
           <a:p>
             <a:fld id="{B42362D5-E350-46C5-8BB1-F9E806A91933}" type="datetime1">
               <a:rPr lang="en-US" smtClean="0"/>
-              <a:t>06-Oct-25</a:t>
+              <a:t>07-Oct-25</a:t>
             </a:fld>
             <a:endParaRPr lang="en-US"/>
           </a:p>
@@ -11029,7 +11029,7 @@
           <a:p>
             <a:fld id="{28E9021D-675F-4984-8FE0-04DA4F4E22F1}" type="datetime1">
               <a:rPr lang="en-US" smtClean="0"/>
-              <a:t>06-Oct-25</a:t>
+              <a:t>07-Oct-25</a:t>
             </a:fld>
             <a:endParaRPr lang="en-US" dirty="0"/>
           </a:p>
@@ -11282,7 +11282,7 @@
           <a:p>
             <a:fld id="{A7F72289-EB8A-47CA-A283-A769C9E761BF}" type="datetime1">
               <a:rPr lang="en-US" smtClean="0"/>
-              <a:t>06-Oct-25</a:t>
+              <a:t>07-Oct-25</a:t>
             </a:fld>
             <a:endParaRPr lang="en-US" dirty="0"/>
           </a:p>
@@ -11631,7 +11631,7 @@
           <a:p>
             <a:fld id="{74049900-C118-46F7-B9EF-5F7C1F0005B2}" type="datetime1">
               <a:rPr lang="en-US" smtClean="0"/>
-              <a:t>06-Oct-25</a:t>
+              <a:t>07-Oct-25</a:t>
             </a:fld>
             <a:endParaRPr lang="en-US"/>
           </a:p>
@@ -11896,7 +11896,7 @@
           <a:p>
             <a:fld id="{74049900-C118-46F7-B9EF-5F7C1F0005B2}" type="datetime1">
               <a:rPr lang="en-US" smtClean="0"/>
-              <a:t>06-Oct-25</a:t>
+              <a:t>07-Oct-25</a:t>
             </a:fld>
             <a:endParaRPr lang="en-US"/>
           </a:p>
@@ -12237,7 +12237,7 @@
           <a:p>
             <a:fld id="{0B4A3A31-ACEE-4A00-9ED7-D579651BDB0B}" type="datetime1">
               <a:rPr lang="en-US" smtClean="0"/>
-              <a:t>06-Oct-25</a:t>
+              <a:t>07-Oct-25</a:t>
             </a:fld>
             <a:endParaRPr lang="en-US" dirty="0"/>
           </a:p>
@@ -12494,7 +12494,7 @@
           <a:p>
             <a:fld id="{0B4A3A31-ACEE-4A00-9ED7-D579651BDB0B}" type="datetime1">
               <a:rPr lang="en-US" smtClean="0"/>
-              <a:t>06-Oct-25</a:t>
+              <a:t>07-Oct-25</a:t>
             </a:fld>
             <a:endParaRPr lang="en-US" dirty="0"/>
           </a:p>
@@ -12849,7 +12849,7 @@
           <a:p>
             <a:fld id="{FAD7B7F7-7F90-4F0B-A996-5443656EFF4A}" type="datetime1">
               <a:rPr lang="en-US" smtClean="0"/>
-              <a:t>06-Oct-25</a:t>
+              <a:t>07-Oct-25</a:t>
             </a:fld>
             <a:endParaRPr lang="en-US" dirty="0"/>
           </a:p>
@@ -13117,7 +13117,7 @@
           <a:p>
             <a:fld id="{FAD7B7F7-7F90-4F0B-A996-5443656EFF4A}" type="datetime1">
               <a:rPr lang="en-US" smtClean="0"/>
-              <a:t>06-Oct-25</a:t>
+              <a:t>07-Oct-25</a:t>
             </a:fld>
             <a:endParaRPr lang="en-US" dirty="0"/>
           </a:p>
@@ -13444,7 +13444,7 @@
           <a:p>
             <a:fld id="{2086C921-50A5-4289-8B96-30101E64A548}" type="datetime1">
               <a:rPr lang="en-US" smtClean="0"/>
-              <a:t>06-Oct-25</a:t>
+              <a:t>07-Oct-25</a:t>
             </a:fld>
             <a:endParaRPr lang="en-US"/>
           </a:p>
@@ -13747,7 +13747,7 @@
           <a:p>
             <a:fld id="{1B948B66-4D7B-4FF2-9F42-B85226272225}" type="datetime1">
               <a:rPr lang="en-US" smtClean="0"/>
-              <a:t>06-Oct-25</a:t>
+              <a:t>07-Oct-25</a:t>
             </a:fld>
             <a:endParaRPr lang="en-US"/>
           </a:p>
@@ -14197,7 +14197,7 @@
           <a:p>
             <a:fld id="{6D1D18D0-7308-42C5-B784-8892F327ABD3}" type="datetime1">
               <a:rPr lang="en-US" smtClean="0"/>
-              <a:t>06-Oct-25</a:t>
+              <a:t>07-Oct-25</a:t>
             </a:fld>
             <a:endParaRPr lang="en-US"/>
           </a:p>
@@ -14584,7 +14584,7 @@
           <a:p>
             <a:fld id="{5888334B-5C34-4E7E-A4B0-3A19575F6DD8}" type="datetime1">
               <a:rPr lang="en-US" smtClean="0"/>
-              <a:t>06-Oct-25</a:t>
+              <a:t>07-Oct-25</a:t>
             </a:fld>
             <a:endParaRPr lang="en-US" dirty="0"/>
           </a:p>
@@ -14918,7 +14918,7 @@
           <a:p>
             <a:fld id="{6C46EC71-0129-40A3-85CE-244216EACC39}" type="datetime1">
               <a:rPr lang="en-US" smtClean="0"/>
-              <a:t>06-Oct-25</a:t>
+              <a:t>07-Oct-25</a:t>
             </a:fld>
             <a:endParaRPr lang="en-US" dirty="0"/>
           </a:p>
@@ -15251,7 +15251,7 @@
           <a:p>
             <a:fld id="{5888334B-5C34-4E7E-A4B0-3A19575F6DD8}" type="datetime1">
               <a:rPr lang="en-US" smtClean="0"/>
-              <a:t>06-Oct-25</a:t>
+              <a:t>07-Oct-25</a:t>
             </a:fld>
             <a:endParaRPr lang="en-US"/>
           </a:p>
@@ -15536,7 +15536,7 @@
           <a:p>
             <a:fld id="{3CC8FB4D-92F2-4C28-8BFC-2AE0229C3E9A}" type="datetime1">
               <a:rPr lang="en-US" smtClean="0"/>
-              <a:t>06-Oct-25</a:t>
+              <a:t>07-Oct-25</a:t>
             </a:fld>
             <a:endParaRPr lang="en-US"/>
           </a:p>
@@ -15815,7 +15815,7 @@
           <a:p>
             <a:fld id="{7B708C30-1428-4C16-AD49-DE42CFEA37BF}" type="datetime1">
               <a:rPr lang="en-US" smtClean="0"/>
-              <a:t>06-Oct-25</a:t>
+              <a:t>07-Oct-25</a:t>
             </a:fld>
             <a:endParaRPr lang="en-US"/>
           </a:p>
@@ -16300,7 +16300,7 @@
             <a:fld id="{DCE8854E-90F8-4761-A9B8-18B1C5A3D25C}" type="datetime1">
               <a:rPr lang="en-US" smtClean="0"/>
               <a:pPr/>
-              <a:t>06-Oct-25</a:t>
+              <a:t>07-Oct-25</a:t>
             </a:fld>
             <a:endParaRPr lang="en-US"/>
           </a:p>
@@ -16788,7 +16788,7 @@
           <a:p>
             <a:fld id="{53DF09C0-6535-4055-81CC-988E059C8EEC}" type="datetime1">
               <a:rPr lang="en-US" smtClean="0"/>
-              <a:t>06-Oct-25</a:t>
+              <a:t>07-Oct-25</a:t>
             </a:fld>
             <a:endParaRPr lang="en-US"/>
           </a:p>
@@ -17018,7 +17018,7 @@
           <a:p>
             <a:fld id="{B85187EE-7BBC-405E-B3F5-9C3E88970356}" type="datetime1">
               <a:rPr lang="en-US" smtClean="0"/>
-              <a:t>06-Oct-25</a:t>
+              <a:t>07-Oct-25</a:t>
             </a:fld>
             <a:endParaRPr lang="en-US"/>
           </a:p>
@@ -17798,7 +17798,7 @@
           <a:p>
             <a:fld id="{967A35BA-41D5-4E87-94C2-E365E2A3656B}" type="datetime1">
               <a:rPr lang="en-US" smtClean="0"/>
-              <a:t>06-Oct-25</a:t>
+              <a:t>07-Oct-25</a:t>
             </a:fld>
             <a:endParaRPr lang="en-US"/>
           </a:p>
@@ -18084,7 +18084,7 @@
             <a:fld id="{BFE899EF-3666-4EAB-A626-E7AA02E66CC1}" type="datetime1">
               <a:rPr lang="en-US" smtClean="0"/>
               <a:pPr/>
-              <a:t>06-Oct-25</a:t>
+              <a:t>07-Oct-25</a:t>
             </a:fld>
             <a:endParaRPr lang="en-US" dirty="0"/>
           </a:p>
@@ -18687,7 +18687,7 @@
           <a:p>
             <a:fld id="{DA4345C7-9F39-4767-92C9-EBF29396D0A9}" type="datetime1">
               <a:rPr lang="en-US" smtClean="0"/>
-              <a:t>06-Oct-25</a:t>
+              <a:t>07-Oct-25</a:t>
             </a:fld>
             <a:endParaRPr lang="en-US"/>
           </a:p>
@@ -18886,7 +18886,7 @@
             <a:fld id="{4A6891D2-C712-4357-A4F9-7362E459A272}" type="datetime1">
               <a:rPr lang="en-US" smtClean="0"/>
               <a:pPr/>
-              <a:t>06-Oct-25</a:t>
+              <a:t>07-Oct-25</a:t>
             </a:fld>
             <a:endParaRPr lang="en-US"/>
           </a:p>
@@ -19636,7 +19636,7 @@
             <a:fld id="{234566FD-24FB-4338-A35C-D9AE347B4F66}" type="datetime1">
               <a:rPr lang="en-US" smtClean="0"/>
               <a:pPr/>
-              <a:t>06-Oct-25</a:t>
+              <a:t>07-Oct-25</a:t>
             </a:fld>
             <a:endParaRPr lang="en-US"/>
           </a:p>
@@ -20140,7 +20140,7 @@
             <a:fld id="{D02BF1DD-1BF4-406D-9906-B4846BCC8D55}" type="datetime1">
               <a:rPr lang="en-US" smtClean="0"/>
               <a:pPr/>
-              <a:t>06-Oct-25</a:t>
+              <a:t>07-Oct-25</a:t>
             </a:fld>
             <a:endParaRPr lang="en-US"/>
           </a:p>
@@ -20513,7 +20513,7 @@
           <a:p>
             <a:fld id="{CD0A52C9-A7D6-4EB8-8F3D-1519181DDC1D}" type="datetime1">
               <a:rPr lang="en-US" smtClean="0"/>
-              <a:t>06-Oct-25</a:t>
+              <a:t>07-Oct-25</a:t>
             </a:fld>
             <a:endParaRPr lang="en-US"/>
           </a:p>
@@ -20982,7 +20982,7 @@
           <a:p>
             <a:fld id="{2E9CE581-A048-42A8-B14C-488A3338D2F0}" type="datetime1">
               <a:rPr lang="en-US" smtClean="0"/>
-              <a:t>06-Oct-25</a:t>
+              <a:t>07-Oct-25</a:t>
             </a:fld>
             <a:endParaRPr lang="en-US"/>
           </a:p>
@@ -21139,7 +21139,7 @@
           <a:p>
             <a:fld id="{F37B15FB-E45F-4977-9C40-BB6531CE6EA6}" type="datetime1">
               <a:rPr lang="en-US" smtClean="0"/>
-              <a:t>06-Oct-25</a:t>
+              <a:t>07-Oct-25</a:t>
             </a:fld>
             <a:endParaRPr lang="en-US"/>
           </a:p>
@@ -21261,7 +21261,7 @@
           <a:p>
             <a:fld id="{18922BC5-E711-4A36-A80E-0A418F83672D}" type="datetime1">
               <a:rPr lang="en-US" smtClean="0"/>
-              <a:t>06-Oct-25</a:t>
+              <a:t>07-Oct-25</a:t>
             </a:fld>
             <a:endParaRPr lang="en-US"/>
           </a:p>
@@ -21575,7 +21575,7 @@
           <a:p>
             <a:fld id="{81D94988-488B-40CC-9623-27A54F95F7B4}" type="datetime1">
               <a:rPr lang="en-US" smtClean="0"/>
-              <a:t>06-Oct-25</a:t>
+              <a:t>07-Oct-25</a:t>
             </a:fld>
             <a:endParaRPr lang="en-US"/>
           </a:p>
@@ -21889,7 +21889,7 @@
           <a:p>
             <a:fld id="{FA3C7011-18F0-49E4-85C9-3E22BE44E3EB}" type="datetime1">
               <a:rPr lang="en-US" smtClean="0"/>
-              <a:t>06-Oct-25</a:t>
+              <a:t>07-Oct-25</a:t>
             </a:fld>
             <a:endParaRPr lang="en-US"/>
           </a:p>
@@ -22174,7 +22174,7 @@
             <a:fld id="{1F92EF8E-B9EB-49F8-83E1-F362FA442011}" type="datetime1">
               <a:rPr lang="en-US" smtClean="0"/>
               <a:pPr/>
-              <a:t>06-Oct-25</a:t>
+              <a:t>07-Oct-25</a:t>
             </a:fld>
             <a:endParaRPr lang="en-US" dirty="0"/>
           </a:p>
@@ -22537,7 +22537,7 @@
           <a:p>
             <a:fld id="{8B1E6060-C53E-4F28-8D83-0C4FB26C4A3F}" type="datetime1">
               <a:rPr lang="en-US" smtClean="0"/>
-              <a:t>06-Oct-25</a:t>
+              <a:t>07-Oct-25</a:t>
             </a:fld>
             <a:endParaRPr lang="en-US"/>
           </a:p>
@@ -23039,7 +23039,7 @@
           <a:p>
             <a:fld id="{1D3D1E3E-5DD4-4BAD-A138-1254BF94C224}" type="datetime1">
               <a:rPr lang="en-US" smtClean="0"/>
-              <a:t>06-Oct-25</a:t>
+              <a:t>07-Oct-25</a:t>
             </a:fld>
             <a:endParaRPr lang="en-US"/>
           </a:p>
@@ -23326,7 +23326,7 @@
             <a:fld id="{BC9EEDB3-BC19-4021-830F-B822E1DE9789}" type="datetime1">
               <a:rPr lang="en-US" smtClean="0"/>
               <a:pPr/>
-              <a:t>06-Oct-25</a:t>
+              <a:t>07-Oct-25</a:t>
             </a:fld>
             <a:endParaRPr lang="en-US" dirty="0"/>
           </a:p>
@@ -23855,7 +23855,7 @@
           <a:p>
             <a:fld id="{014DD65C-314F-4399-90A8-B6DFCAF21BE4}" type="datetime1">
               <a:rPr lang="en-US" smtClean="0"/>
-              <a:t>06-Oct-25</a:t>
+              <a:t>07-Oct-25</a:t>
             </a:fld>
             <a:endParaRPr lang="en-US"/>
           </a:p>
@@ -24353,7 +24353,7 @@
             <a:fld id="{D07A3B59-4DAC-4AFE-874D-3A86EC3801A0}" type="datetime1">
               <a:rPr lang="en-US" smtClean="0"/>
               <a:pPr/>
-              <a:t>06-Oct-25</a:t>
+              <a:t>07-Oct-25</a:t>
             </a:fld>
             <a:endParaRPr lang="en-US"/>
           </a:p>
@@ -24850,7 +24850,7 @@
           <a:p>
             <a:fld id="{76FC08D9-20DE-421C-BE4E-310427BB699B}" type="datetime1">
               <a:rPr lang="en-US" smtClean="0"/>
-              <a:t>06-Oct-25</a:t>
+              <a:t>07-Oct-25</a:t>
             </a:fld>
             <a:endParaRPr lang="en-US" dirty="0"/>
           </a:p>
@@ -25142,7 +25142,7 @@
             <a:fld id="{7DF4F7BB-A1DF-4BD2-8D5B-CA9EB40127CE}" type="datetime1">
               <a:rPr lang="en-US" smtClean="0"/>
               <a:pPr/>
-              <a:t>06-Oct-25</a:t>
+              <a:t>07-Oct-25</a:t>
             </a:fld>
             <a:endParaRPr lang="en-US" dirty="0"/>
           </a:p>
@@ -26409,7 +26409,7 @@
             </a:r>
             <a:r>
               <a:rPr lang="en-US" sz="1200" b="1" dirty="0" err="1"/>
-              <a:t>sučelja</a:t>
+              <a:t>interfejsa</a:t>
             </a:r>
             <a:r>
               <a:rPr lang="en-US" sz="1200" b="1" dirty="0"/>
@@ -26417,31 +26417,7 @@
             </a:r>
             <a:r>
               <a:rPr lang="en-US" sz="1200" dirty="0"/>
-              <a:t>- </a:t>
-            </a:r>
-            <a:r>
-              <a:rPr lang="en-US" sz="1200" dirty="0" err="1"/>
-              <a:t>prototipovi</a:t>
-            </a:r>
-            <a:r>
-              <a:rPr lang="en-US" sz="1200" dirty="0"/>
-              <a:t> </a:t>
-            </a:r>
-            <a:r>
-              <a:rPr lang="en-US" sz="1200" dirty="0" err="1"/>
-              <a:t>i</a:t>
-            </a:r>
-            <a:r>
-              <a:rPr lang="en-US" sz="1200" dirty="0"/>
-              <a:t> </a:t>
-            </a:r>
-            <a:r>
-              <a:rPr lang="en-US" sz="1200" dirty="0" err="1"/>
-              <a:t>makete</a:t>
-            </a:r>
-            <a:r>
-              <a:rPr lang="en-US" sz="1200" dirty="0"/>
-              <a:t> u Figma </a:t>
+              <a:t>- Figma </a:t>
             </a:r>
             <a:r>
               <a:rPr lang="en-US" sz="1200" dirty="0" err="1"/>
@@ -26686,10 +26662,13 @@
               <a:t> u </a:t>
             </a:r>
             <a:r>
-              <a:rPr lang="en-US" sz="1200"/>
-              <a:t>Beogradu.</a:t>
-            </a:r>
-            <a:endParaRPr lang="en-US" sz="1200" dirty="0"/>
+              <a:rPr lang="en-US" sz="1200" dirty="0" err="1"/>
+              <a:t>Beogradu</a:t>
+            </a:r>
+            <a:r>
+              <a:rPr lang="en-US" sz="1200" dirty="0"/>
+              <a:t>.</a:t>
+            </a:r>
           </a:p>
           <a:p>
             <a:pPr marL="0" lvl="1" indent="0">
@@ -27161,12 +27140,8 @@
               <a:t> u </a:t>
             </a:r>
             <a:r>
-              <a:rPr lang="en-US" dirty="0" err="1"/>
-              <a:t>Novom</a:t>
-            </a:r>
-            <a:r>
-              <a:rPr lang="en-US" dirty="0"/>
-              <a:t> Sadu </a:t>
+              <a:rPr lang="en-US"/>
+              <a:t>Beogradu </a:t>
             </a:r>
             <a:r>
               <a:rPr lang="en-US" dirty="0" err="1"/>
@@ -29811,7 +29786,19 @@
             </a:r>
             <a:r>
               <a:rPr lang="sr-Latn-RS" dirty="0"/>
-              <a:t> (7+ dana)</a:t>
+              <a:t> (</a:t>
+            </a:r>
+            <a:r>
+              <a:rPr lang="en-US" dirty="0" err="1"/>
+              <a:t>poslije</a:t>
+            </a:r>
+            <a:r>
+              <a:rPr lang="en-US" dirty="0"/>
+              <a:t> </a:t>
+            </a:r>
+            <a:r>
+              <a:rPr lang="sr-Latn-RS" dirty="0"/>
+              <a:t>7+ dana)</a:t>
             </a:r>
             <a:r>
               <a:rPr lang="en-US" dirty="0"/>
@@ -31989,7 +31976,7 @@
             </a:r>
             <a:r>
               <a:rPr lang="en-US" dirty="0"/>
-              <a:t> 5–6 </a:t>
+              <a:t> 7–8 </a:t>
             </a:r>
             <a:r>
               <a:rPr lang="en-US" dirty="0" err="1"/>

--- a/Final presentation.pptx
+++ b/Final presentation.pptx
@@ -27140,8 +27140,12 @@
               <a:t> u </a:t>
             </a:r>
             <a:r>
-              <a:rPr lang="en-US"/>
-              <a:t>Beogradu </a:t>
+              <a:rPr lang="en-US" dirty="0" err="1"/>
+              <a:t>Beogradu</a:t>
+            </a:r>
+            <a:r>
+              <a:rPr lang="en-US" dirty="0"/>
+              <a:t> </a:t>
             </a:r>
             <a:r>
               <a:rPr lang="en-US" dirty="0" err="1"/>
@@ -29585,7 +29589,7 @@
         <p:spPr>
           <a:xfrm>
             <a:off x="5180729" y="2743204"/>
-            <a:ext cx="6395573" cy="3428989"/>
+            <a:ext cx="7011251" cy="3428989"/>
           </a:xfrm>
         </p:spPr>
         <p:txBody>
@@ -29733,16 +29737,12 @@
           <a:p>
             <a:pPr marL="0" lvl="1"/>
             <a:r>
+              <a:rPr lang="sr-Latn-RS" dirty="0"/>
+              <a:t>D</a:t>
+            </a:r>
+            <a:r>
               <a:rPr lang="en-US" dirty="0" err="1"/>
-              <a:t>Korisnicima</a:t>
-            </a:r>
-            <a:r>
-              <a:rPr lang="en-US" dirty="0"/>
-              <a:t> se nude </a:t>
-            </a:r>
-            <a:r>
-              <a:rPr lang="en-US" dirty="0" err="1"/>
-              <a:t>dodatne</a:t>
+              <a:t>odatne</a:t>
             </a:r>
             <a:r>
               <a:rPr lang="en-US" dirty="0"/>
@@ -29753,6 +29753,10 @@
               <a:t>pogodnosti</a:t>
             </a:r>
             <a:r>
+              <a:rPr lang="sr-Latn-RS" dirty="0"/>
+              <a:t> za korisnike</a:t>
+            </a:r>
+            <a:r>
               <a:rPr lang="en-US" dirty="0"/>
               <a:t> </a:t>
             </a:r>
@@ -29834,8 +29838,45 @@
             </a:r>
             <a:r>
               <a:rPr lang="en-US" dirty="0"/>
+              <a:t>, za </a:t>
+            </a:r>
+            <a:r>
+              <a:rPr lang="en-US" dirty="0" err="1"/>
+              <a:t>vlasnike</a:t>
+            </a:r>
+            <a:r>
+              <a:rPr lang="en-US" dirty="0"/>
+              <a:t> </a:t>
+            </a:r>
+            <a:r>
+              <a:rPr lang="en-US" dirty="0" err="1"/>
+              <a:t>sigurnosne</a:t>
+            </a:r>
+            <a:r>
+              <a:rPr lang="en-US" dirty="0"/>
+              <a:t> </a:t>
+            </a:r>
+            <a:r>
+              <a:rPr lang="en-US" dirty="0" err="1"/>
+              <a:t>provjere</a:t>
+            </a:r>
+            <a:r>
+              <a:rPr lang="en-US" dirty="0"/>
+              <a:t> </a:t>
+            </a:r>
+            <a:r>
+              <a:rPr lang="en-US" dirty="0" err="1"/>
+              <a:t>vo</a:t>
+            </a:r>
+            <a:r>
+              <a:rPr lang="sr-Latn-RS" dirty="0" err="1"/>
+              <a:t>zača</a:t>
+            </a:r>
+            <a:r>
+              <a:rPr lang="sr-Latn-RS" dirty="0"/>
               <a:t>.</a:t>
             </a:r>
+            <a:endParaRPr lang="en-US" dirty="0"/>
           </a:p>
           <a:p>
             <a:pPr marL="0" lvl="1"/>
@@ -29844,101 +29885,18 @@
           <a:p>
             <a:pPr marL="0" lvl="1"/>
             <a:r>
-              <a:rPr lang="en-US" b="1" dirty="0" err="1"/>
-              <a:t>Pogodnosti</a:t>
-            </a:r>
-            <a:r>
-              <a:rPr lang="en-US" b="1" dirty="0"/>
-              <a:t> za </a:t>
-            </a:r>
-            <a:r>
-              <a:rPr lang="en-US" b="1" dirty="0" err="1"/>
-              <a:t>vlasnike</a:t>
+              <a:rPr lang="sr-Latn-RS" b="1" dirty="0"/>
+              <a:t>Dodatni prihodi</a:t>
             </a:r>
             <a:endParaRPr lang="en-US" b="1" dirty="0"/>
           </a:p>
           <a:p>
             <a:pPr marL="0" lvl="1"/>
             <a:r>
-              <a:rPr lang="en-US" dirty="0" err="1"/>
-              <a:t>Vlasnici</a:t>
-            </a:r>
-            <a:r>
-              <a:rPr lang="en-US" dirty="0"/>
-              <a:t> </a:t>
-            </a:r>
-            <a:r>
-              <a:rPr lang="en-US" dirty="0" err="1"/>
-              <a:t>dobijaju</a:t>
-            </a:r>
-            <a:r>
-              <a:rPr lang="en-US" dirty="0"/>
-              <a:t> </a:t>
-            </a:r>
-            <a:r>
-              <a:rPr lang="en-US" dirty="0" err="1"/>
-              <a:t>beneficije</a:t>
-            </a:r>
-            <a:r>
-              <a:rPr lang="en-US" dirty="0"/>
-              <a:t> (</a:t>
-            </a:r>
-            <a:r>
-              <a:rPr lang="en-US" dirty="0" err="1"/>
-              <a:t>npr</a:t>
-            </a:r>
-            <a:r>
-              <a:rPr lang="en-US" dirty="0"/>
-              <a:t>. </a:t>
-            </a:r>
-            <a:r>
-              <a:rPr lang="en-US" dirty="0" err="1"/>
-              <a:t>sigurnosne</a:t>
-            </a:r>
-            <a:r>
-              <a:rPr lang="en-US" dirty="0"/>
-              <a:t> </a:t>
-            </a:r>
-            <a:r>
-              <a:rPr lang="en-US" dirty="0" err="1"/>
-              <a:t>provjere</a:t>
-            </a:r>
-            <a:r>
-              <a:rPr lang="en-US" dirty="0"/>
-              <a:t>), </a:t>
-            </a:r>
-            <a:r>
-              <a:rPr lang="en-US" dirty="0" err="1"/>
-              <a:t>što</a:t>
-            </a:r>
-            <a:r>
-              <a:rPr lang="en-US" dirty="0"/>
-              <a:t> </a:t>
-            </a:r>
-            <a:r>
-              <a:rPr lang="en-US" dirty="0" err="1"/>
-              <a:t>podstiče</a:t>
-            </a:r>
-            <a:r>
-              <a:rPr lang="en-US" dirty="0"/>
-              <a:t> </a:t>
-            </a:r>
-            <a:r>
-              <a:rPr lang="en-US" dirty="0" err="1"/>
-              <a:t>dugoročnu</a:t>
-            </a:r>
-            <a:r>
-              <a:rPr lang="en-US" dirty="0"/>
-              <a:t> </a:t>
-            </a:r>
-            <a:r>
-              <a:rPr lang="en-US" dirty="0" err="1"/>
-              <a:t>saradnju</a:t>
-            </a:r>
-            <a:r>
-              <a:rPr lang="en-US" dirty="0"/>
-              <a:t>.</a:t>
-            </a:r>
+              <a:rPr lang="sr-Latn-RS" dirty="0"/>
+              <a:t>Saradnja sa univerzitetima, kompanijama, lokalnim samoupravama…</a:t>
+            </a:r>
+            <a:endParaRPr lang="en-US" dirty="0"/>
           </a:p>
         </p:txBody>
       </p:sp>
